--- a/saturn/openbanking-api-for-saturn.pptx
+++ b/saturn/openbanking-api-for-saturn.pptx
@@ -4143,19 +4143,11 @@
             </a:r>
             <a:r>
               <a:rPr lang="en-US" sz="1200" dirty="0"/>
-              <a:t>. However, due to expensive TTP </a:t>
-            </a:r>
-            <a:r>
-              <a:rPr lang="en-US" sz="1200"/>
-              <a:t>certification </a:t>
-            </a:r>
-            <a:r>
-              <a:rPr lang="en-US" sz="1200" smtClean="0"/>
-              <a:t>schemes </a:t>
+              <a:t>. However, due to expensive TTP certification </a:t>
             </a:r>
             <a:r>
               <a:rPr lang="en-US" sz="1200" dirty="0" smtClean="0"/>
-              <a:t>as </a:t>
+              <a:t>schemes as </a:t>
             </a:r>
             <a:r>
               <a:rPr lang="en-US" sz="1200" dirty="0"/>
@@ -4167,7 +4159,23 @@
             </a:r>
             <a:r>
               <a:rPr lang="en-US" sz="1200" dirty="0"/>
-              <a:t>an entirely undefined client environment ("Wallet"), it would effectively require a new VISA to scale which probably were not the </a:t>
+              <a:t>an entirely undefined client environment </a:t>
+            </a:r>
+            <a:r>
+              <a:rPr lang="en-US" sz="1200" dirty="0" smtClean="0"/>
+              <a:t>(“Wallet</a:t>
+            </a:r>
+            <a:r>
+              <a:rPr lang="en-US" sz="1200" dirty="0" smtClean="0"/>
+              <a:t>”</a:t>
+            </a:r>
+            <a:r>
+              <a:rPr lang="en-US" sz="1200" dirty="0" smtClean="0"/>
+              <a:t>), </a:t>
+            </a:r>
+            <a:r>
+              <a:rPr lang="en-US" sz="1200" dirty="0"/>
+              <a:t>it would effectively require a new VISA to scale which probably were not the </a:t>
             </a:r>
             <a:r>
               <a:rPr lang="en-US" sz="1200" dirty="0" smtClean="0"/>
@@ -4213,7 +4221,15 @@
             </a:r>
             <a:r>
               <a:rPr lang="en-US" sz="1200" dirty="0" smtClean="0"/>
-              <a:t>(including “Wallet), dedicated for </a:t>
+              <a:t>(including “</a:t>
+            </a:r>
+            <a:r>
+              <a:rPr lang="en-US" sz="1200" dirty="0" smtClean="0"/>
+              <a:t>Wallet”), </a:t>
+            </a:r>
+            <a:r>
+              <a:rPr lang="en-US" sz="1200" i="1" dirty="0" smtClean="0"/>
+              <a:t>dedicated for </a:t>
             </a:r>
             <a:r>
               <a:rPr lang="en-US" sz="1200" i="1" dirty="0"/>

--- a/saturn/openbanking-api-for-saturn.pptx
+++ b/saturn/openbanking-api-for-saturn.pptx
@@ -288,7 +288,7 @@
           <a:p>
             <a:fld id="{487FC4E9-77CD-4C2A-BF4D-150A82B34D6E}" type="datetimeFigureOut">
               <a:rPr lang="en-US" smtClean="0"/>
-              <a:t>2019-05-26</a:t>
+              <a:t>2019-05-27</a:t>
             </a:fld>
             <a:endParaRPr lang="en-US"/>
           </a:p>
@@ -458,7 +458,7 @@
           <a:p>
             <a:fld id="{487FC4E9-77CD-4C2A-BF4D-150A82B34D6E}" type="datetimeFigureOut">
               <a:rPr lang="en-US" smtClean="0"/>
-              <a:t>2019-05-26</a:t>
+              <a:t>2019-05-27</a:t>
             </a:fld>
             <a:endParaRPr lang="en-US"/>
           </a:p>
@@ -638,7 +638,7 @@
           <a:p>
             <a:fld id="{487FC4E9-77CD-4C2A-BF4D-150A82B34D6E}" type="datetimeFigureOut">
               <a:rPr lang="en-US" smtClean="0"/>
-              <a:t>2019-05-26</a:t>
+              <a:t>2019-05-27</a:t>
             </a:fld>
             <a:endParaRPr lang="en-US"/>
           </a:p>
@@ -808,7 +808,7 @@
           <a:p>
             <a:fld id="{487FC4E9-77CD-4C2A-BF4D-150A82B34D6E}" type="datetimeFigureOut">
               <a:rPr lang="en-US" smtClean="0"/>
-              <a:t>2019-05-26</a:t>
+              <a:t>2019-05-27</a:t>
             </a:fld>
             <a:endParaRPr lang="en-US"/>
           </a:p>
@@ -1054,7 +1054,7 @@
           <a:p>
             <a:fld id="{487FC4E9-77CD-4C2A-BF4D-150A82B34D6E}" type="datetimeFigureOut">
               <a:rPr lang="en-US" smtClean="0"/>
-              <a:t>2019-05-26</a:t>
+              <a:t>2019-05-27</a:t>
             </a:fld>
             <a:endParaRPr lang="en-US"/>
           </a:p>
@@ -1342,7 +1342,7 @@
           <a:p>
             <a:fld id="{487FC4E9-77CD-4C2A-BF4D-150A82B34D6E}" type="datetimeFigureOut">
               <a:rPr lang="en-US" smtClean="0"/>
-              <a:t>2019-05-26</a:t>
+              <a:t>2019-05-27</a:t>
             </a:fld>
             <a:endParaRPr lang="en-US"/>
           </a:p>
@@ -1764,7 +1764,7 @@
           <a:p>
             <a:fld id="{487FC4E9-77CD-4C2A-BF4D-150A82B34D6E}" type="datetimeFigureOut">
               <a:rPr lang="en-US" smtClean="0"/>
-              <a:t>2019-05-26</a:t>
+              <a:t>2019-05-27</a:t>
             </a:fld>
             <a:endParaRPr lang="en-US"/>
           </a:p>
@@ -1882,7 +1882,7 @@
           <a:p>
             <a:fld id="{487FC4E9-77CD-4C2A-BF4D-150A82B34D6E}" type="datetimeFigureOut">
               <a:rPr lang="en-US" smtClean="0"/>
-              <a:t>2019-05-26</a:t>
+              <a:t>2019-05-27</a:t>
             </a:fld>
             <a:endParaRPr lang="en-US"/>
           </a:p>
@@ -1977,7 +1977,7 @@
           <a:p>
             <a:fld id="{487FC4E9-77CD-4C2A-BF4D-150A82B34D6E}" type="datetimeFigureOut">
               <a:rPr lang="en-US" smtClean="0"/>
-              <a:t>2019-05-26</a:t>
+              <a:t>2019-05-27</a:t>
             </a:fld>
             <a:endParaRPr lang="en-US"/>
           </a:p>
@@ -2254,7 +2254,7 @@
           <a:p>
             <a:fld id="{487FC4E9-77CD-4C2A-BF4D-150A82B34D6E}" type="datetimeFigureOut">
               <a:rPr lang="en-US" smtClean="0"/>
-              <a:t>2019-05-26</a:t>
+              <a:t>2019-05-27</a:t>
             </a:fld>
             <a:endParaRPr lang="en-US"/>
           </a:p>
@@ -2507,7 +2507,7 @@
           <a:p>
             <a:fld id="{487FC4E9-77CD-4C2A-BF4D-150A82B34D6E}" type="datetimeFigureOut">
               <a:rPr lang="en-US" smtClean="0"/>
-              <a:t>2019-05-26</a:t>
+              <a:t>2019-05-27</a:t>
             </a:fld>
             <a:endParaRPr lang="en-US"/>
           </a:p>
@@ -2720,7 +2720,7 @@
           <a:p>
             <a:fld id="{487FC4E9-77CD-4C2A-BF4D-150A82B34D6E}" type="datetimeFigureOut">
               <a:rPr lang="en-US" smtClean="0"/>
-              <a:t>2019-05-26</a:t>
+              <a:t>2019-05-27</a:t>
             </a:fld>
             <a:endParaRPr lang="en-US"/>
           </a:p>
@@ -4084,7 +4084,7 @@
         <p:spPr>
           <a:xfrm>
             <a:off x="945807" y="404664"/>
-            <a:ext cx="7298601" cy="584775"/>
+            <a:ext cx="7436459" cy="584775"/>
           </a:xfrm>
           <a:prstGeom prst="rect">
             <a:avLst/>
@@ -4102,7 +4102,28 @@
                 <a:latin typeface="Times New Roman" panose="02020603050405020304" pitchFamily="18" charset="0"/>
                 <a:cs typeface="Times New Roman" panose="02020603050405020304" pitchFamily="18" charset="0"/>
               </a:rPr>
-              <a:t>Extending the reach of Open Banking APIs</a:t>
+              <a:t>Extending </a:t>
+            </a:r>
+            <a:r>
+              <a:rPr lang="en-US" sz="3200" smtClean="0">
+                <a:latin typeface="Times New Roman" panose="02020603050405020304" pitchFamily="18" charset="0"/>
+                <a:cs typeface="Times New Roman" panose="02020603050405020304" pitchFamily="18" charset="0"/>
+              </a:rPr>
+              <a:t>the </a:t>
+            </a:r>
+            <a:r>
+              <a:rPr lang="en-US" sz="3200" smtClean="0">
+                <a:latin typeface="Times New Roman" panose="02020603050405020304" pitchFamily="18" charset="0"/>
+                <a:cs typeface="Times New Roman" panose="02020603050405020304" pitchFamily="18" charset="0"/>
+              </a:rPr>
+              <a:t>Reach </a:t>
+            </a:r>
+            <a:r>
+              <a:rPr lang="en-US" sz="3200" dirty="0" smtClean="0">
+                <a:latin typeface="Times New Roman" panose="02020603050405020304" pitchFamily="18" charset="0"/>
+                <a:cs typeface="Times New Roman" panose="02020603050405020304" pitchFamily="18" charset="0"/>
+              </a:rPr>
+              <a:t>of Open Banking APIs</a:t>
             </a:r>
             <a:endParaRPr lang="en-US" sz="3200" dirty="0">
               <a:latin typeface="Times New Roman" panose="02020603050405020304" pitchFamily="18" charset="0"/>
@@ -4163,15 +4184,7 @@
             </a:r>
             <a:r>
               <a:rPr lang="en-US" sz="1200" dirty="0" smtClean="0"/>
-              <a:t>(“Wallet</a:t>
-            </a:r>
-            <a:r>
-              <a:rPr lang="en-US" sz="1200" dirty="0" smtClean="0"/>
-              <a:t>”</a:t>
-            </a:r>
-            <a:r>
-              <a:rPr lang="en-US" sz="1200" dirty="0" smtClean="0"/>
-              <a:t>), </a:t>
+              <a:t>(“Wallet”), </a:t>
             </a:r>
             <a:r>
               <a:rPr lang="en-US" sz="1200" dirty="0"/>
@@ -4221,11 +4234,7 @@
             </a:r>
             <a:r>
               <a:rPr lang="en-US" sz="1200" dirty="0" smtClean="0"/>
-              <a:t>(including “</a:t>
-            </a:r>
-            <a:r>
-              <a:rPr lang="en-US" sz="1200" dirty="0" smtClean="0"/>
-              <a:t>Wallet”), </a:t>
+              <a:t>(including “Wallet”), </a:t>
             </a:r>
             <a:r>
               <a:rPr lang="en-US" sz="1200" i="1" dirty="0" smtClean="0"/>

--- a/saturn/openbanking-api-for-saturn.pptx
+++ b/saturn/openbanking-api-for-saturn.pptx
@@ -3865,7 +3865,7 @@
             </a:br>
             <a:r>
               <a:rPr lang="en-US" sz="1600" dirty="0" smtClean="0"/>
-              <a:t>Service</a:t>
+              <a:t>Service (LIS)</a:t>
             </a:r>
             <a:endParaRPr lang="en-US" sz="1600" dirty="0"/>
           </a:p>
@@ -4069,7 +4069,11 @@
             </a:r>
             <a:r>
               <a:rPr lang="en-US" sz="800" dirty="0" smtClean="0"/>
-              <a:t> 2019-05-26</a:t>
+              <a:t> </a:t>
+            </a:r>
+            <a:r>
+              <a:rPr lang="en-US" sz="800" dirty="0" smtClean="0"/>
+              <a:t>2019-05-27</a:t>
             </a:r>
             <a:endParaRPr lang="en-US" sz="800" dirty="0"/>
           </a:p>
@@ -4109,14 +4113,7 @@
                 <a:latin typeface="Times New Roman" panose="02020603050405020304" pitchFamily="18" charset="0"/>
                 <a:cs typeface="Times New Roman" panose="02020603050405020304" pitchFamily="18" charset="0"/>
               </a:rPr>
-              <a:t>the </a:t>
-            </a:r>
-            <a:r>
-              <a:rPr lang="en-US" sz="3200" smtClean="0">
-                <a:latin typeface="Times New Roman" panose="02020603050405020304" pitchFamily="18" charset="0"/>
-                <a:cs typeface="Times New Roman" panose="02020603050405020304" pitchFamily="18" charset="0"/>
-              </a:rPr>
-              <a:t>Reach </a:t>
+              <a:t>the Reach </a:t>
             </a:r>
             <a:r>
               <a:rPr lang="en-US" sz="3200" dirty="0" smtClean="0">
@@ -4209,8 +4206,14 @@
           </a:p>
           <a:p>
             <a:r>
+              <a:rPr lang="en-US" sz="1200" dirty="0">
+                <a:hlinkClick r:id="rId6"/>
+              </a:rPr>
+              <a:t>Saturn</a:t>
+            </a:r>
+            <a:r>
               <a:rPr lang="en-US" sz="1200" dirty="0"/>
-              <a:t>Saturn is </a:t>
+              <a:t> is </a:t>
             </a:r>
             <a:r>
               <a:rPr lang="en-US" sz="1200" dirty="0" smtClean="0"/>

--- a/saturn/openbanking-api-for-saturn.pptx
+++ b/saturn/openbanking-api-for-saturn.pptx
@@ -288,7 +288,7 @@
           <a:p>
             <a:fld id="{487FC4E9-77CD-4C2A-BF4D-150A82B34D6E}" type="datetimeFigureOut">
               <a:rPr lang="en-US" smtClean="0"/>
-              <a:t>2019-05-27</a:t>
+              <a:t>2019-10-21</a:t>
             </a:fld>
             <a:endParaRPr lang="en-US"/>
           </a:p>
@@ -458,7 +458,7 @@
           <a:p>
             <a:fld id="{487FC4E9-77CD-4C2A-BF4D-150A82B34D6E}" type="datetimeFigureOut">
               <a:rPr lang="en-US" smtClean="0"/>
-              <a:t>2019-05-27</a:t>
+              <a:t>2019-10-21</a:t>
             </a:fld>
             <a:endParaRPr lang="en-US"/>
           </a:p>
@@ -638,7 +638,7 @@
           <a:p>
             <a:fld id="{487FC4E9-77CD-4C2A-BF4D-150A82B34D6E}" type="datetimeFigureOut">
               <a:rPr lang="en-US" smtClean="0"/>
-              <a:t>2019-05-27</a:t>
+              <a:t>2019-10-21</a:t>
             </a:fld>
             <a:endParaRPr lang="en-US"/>
           </a:p>
@@ -808,7 +808,7 @@
           <a:p>
             <a:fld id="{487FC4E9-77CD-4C2A-BF4D-150A82B34D6E}" type="datetimeFigureOut">
               <a:rPr lang="en-US" smtClean="0"/>
-              <a:t>2019-05-27</a:t>
+              <a:t>2019-10-21</a:t>
             </a:fld>
             <a:endParaRPr lang="en-US"/>
           </a:p>
@@ -1054,7 +1054,7 @@
           <a:p>
             <a:fld id="{487FC4E9-77CD-4C2A-BF4D-150A82B34D6E}" type="datetimeFigureOut">
               <a:rPr lang="en-US" smtClean="0"/>
-              <a:t>2019-05-27</a:t>
+              <a:t>2019-10-21</a:t>
             </a:fld>
             <a:endParaRPr lang="en-US"/>
           </a:p>
@@ -1342,7 +1342,7 @@
           <a:p>
             <a:fld id="{487FC4E9-77CD-4C2A-BF4D-150A82B34D6E}" type="datetimeFigureOut">
               <a:rPr lang="en-US" smtClean="0"/>
-              <a:t>2019-05-27</a:t>
+              <a:t>2019-10-21</a:t>
             </a:fld>
             <a:endParaRPr lang="en-US"/>
           </a:p>
@@ -1764,7 +1764,7 @@
           <a:p>
             <a:fld id="{487FC4E9-77CD-4C2A-BF4D-150A82B34D6E}" type="datetimeFigureOut">
               <a:rPr lang="en-US" smtClean="0"/>
-              <a:t>2019-05-27</a:t>
+              <a:t>2019-10-21</a:t>
             </a:fld>
             <a:endParaRPr lang="en-US"/>
           </a:p>
@@ -1882,7 +1882,7 @@
           <a:p>
             <a:fld id="{487FC4E9-77CD-4C2A-BF4D-150A82B34D6E}" type="datetimeFigureOut">
               <a:rPr lang="en-US" smtClean="0"/>
-              <a:t>2019-05-27</a:t>
+              <a:t>2019-10-21</a:t>
             </a:fld>
             <a:endParaRPr lang="en-US"/>
           </a:p>
@@ -1977,7 +1977,7 @@
           <a:p>
             <a:fld id="{487FC4E9-77CD-4C2A-BF4D-150A82B34D6E}" type="datetimeFigureOut">
               <a:rPr lang="en-US" smtClean="0"/>
-              <a:t>2019-05-27</a:t>
+              <a:t>2019-10-21</a:t>
             </a:fld>
             <a:endParaRPr lang="en-US"/>
           </a:p>
@@ -2254,7 +2254,7 @@
           <a:p>
             <a:fld id="{487FC4E9-77CD-4C2A-BF4D-150A82B34D6E}" type="datetimeFigureOut">
               <a:rPr lang="en-US" smtClean="0"/>
-              <a:t>2019-05-27</a:t>
+              <a:t>2019-10-21</a:t>
             </a:fld>
             <a:endParaRPr lang="en-US"/>
           </a:p>
@@ -2507,7 +2507,7 @@
           <a:p>
             <a:fld id="{487FC4E9-77CD-4C2A-BF4D-150A82B34D6E}" type="datetimeFigureOut">
               <a:rPr lang="en-US" smtClean="0"/>
-              <a:t>2019-05-27</a:t>
+              <a:t>2019-10-21</a:t>
             </a:fld>
             <a:endParaRPr lang="en-US"/>
           </a:p>
@@ -2720,7 +2720,7 @@
           <a:p>
             <a:fld id="{487FC4E9-77CD-4C2A-BF4D-150A82B34D6E}" type="datetimeFigureOut">
               <a:rPr lang="en-US" smtClean="0"/>
-              <a:t>2019-05-27</a:t>
+              <a:t>2019-10-21</a:t>
             </a:fld>
             <a:endParaRPr lang="en-US"/>
           </a:p>
@@ -3103,7 +3103,7 @@
         </p:nvSpPr>
         <p:spPr>
           <a:xfrm>
-            <a:off x="6464389" y="2072345"/>
+            <a:off x="6245340" y="1568289"/>
             <a:ext cx="169602" cy="414000"/>
           </a:xfrm>
           <a:prstGeom prst="arc">
@@ -3144,8 +3144,8 @@
         </p:nvSpPr>
         <p:spPr>
           <a:xfrm>
-            <a:off x="5040287" y="1517565"/>
-            <a:ext cx="3420145" cy="2637057"/>
+            <a:off x="4821238" y="1013509"/>
+            <a:ext cx="3564161" cy="2847539"/>
           </a:xfrm>
           <a:prstGeom prst="roundRect">
             <a:avLst>
@@ -3190,7 +3190,7 @@
         </p:nvSpPr>
         <p:spPr>
           <a:xfrm>
-            <a:off x="2494610" y="2090599"/>
+            <a:off x="2275561" y="1586543"/>
             <a:ext cx="4531494" cy="167605"/>
           </a:xfrm>
           <a:prstGeom prst="rightArrow">
@@ -3244,15 +3244,15 @@
         </p:nvSpPr>
         <p:spPr>
           <a:xfrm>
-            <a:off x="5909148" y="2304544"/>
-            <a:ext cx="1116956" cy="888216"/>
+            <a:off x="5690099" y="1789490"/>
+            <a:ext cx="1116956" cy="1312971"/>
           </a:xfrm>
           <a:prstGeom prst="bentArrow">
             <a:avLst>
-              <a:gd name="adj1" fmla="val 9396"/>
-              <a:gd name="adj2" fmla="val 10214"/>
-              <a:gd name="adj3" fmla="val 10373"/>
-              <a:gd name="adj4" fmla="val 35796"/>
+              <a:gd name="adj1" fmla="val 7584"/>
+              <a:gd name="adj2" fmla="val 7923"/>
+              <a:gd name="adj3" fmla="val 8028"/>
+              <a:gd name="adj4" fmla="val 20715"/>
             </a:avLst>
           </a:prstGeom>
           <a:solidFill>
@@ -3314,7 +3314,7 @@
         </p:blipFill>
         <p:spPr>
           <a:xfrm>
-            <a:off x="6948264" y="1712212"/>
+            <a:off x="6729215" y="1208156"/>
             <a:ext cx="1512168" cy="1120124"/>
           </a:xfrm>
           <a:prstGeom prst="rect">
@@ -3337,7 +3337,7 @@
         </p:nvSpPr>
         <p:spPr>
           <a:xfrm>
-            <a:off x="5306433" y="3080037"/>
+            <a:off x="5087384" y="2852936"/>
             <a:ext cx="1296144" cy="847477"/>
           </a:xfrm>
           <a:prstGeom prst="ellipse">
@@ -3386,67 +3386,13 @@
       </p:sp>
       <p:sp>
         <p:nvSpPr>
-          <p:cNvPr id="29" name="Right Arrow 28"/>
-          <p:cNvSpPr/>
-          <p:nvPr/>
-        </p:nvSpPr>
-        <p:spPr>
-          <a:xfrm rot="21300000">
-            <a:off x="2312436" y="3580447"/>
-            <a:ext cx="2947717" cy="167605"/>
-          </a:xfrm>
-          <a:prstGeom prst="rightArrow">
-            <a:avLst/>
-          </a:prstGeom>
-          <a:solidFill>
-            <a:schemeClr val="accent3">
-              <a:lumMod val="60000"/>
-              <a:lumOff val="40000"/>
-            </a:schemeClr>
-          </a:solidFill>
-          <a:ln w="9525">
-            <a:solidFill>
-              <a:schemeClr val="bg1">
-                <a:lumMod val="50000"/>
-              </a:schemeClr>
-            </a:solidFill>
-          </a:ln>
-          <a:effectLst/>
-        </p:spPr>
-        <p:style>
-          <a:lnRef idx="2">
-            <a:schemeClr val="accent1">
-              <a:shade val="50000"/>
-            </a:schemeClr>
-          </a:lnRef>
-          <a:fillRef idx="1">
-            <a:schemeClr val="accent1"/>
-          </a:fillRef>
-          <a:effectRef idx="0">
-            <a:schemeClr val="accent1"/>
-          </a:effectRef>
-          <a:fontRef idx="minor">
-            <a:schemeClr val="lt1"/>
-          </a:fontRef>
-        </p:style>
-        <p:txBody>
-          <a:bodyPr rtlCol="0" anchor="ctr"/>
-          <a:lstStyle/>
-          <a:p>
-            <a:pPr algn="ctr"/>
-            <a:endParaRPr lang="en-US"/>
-          </a:p>
-        </p:txBody>
-      </p:sp>
-      <p:sp>
-        <p:nvSpPr>
           <p:cNvPr id="30" name="TextBox 29"/>
           <p:cNvSpPr txBox="1"/>
           <p:nvPr/>
         </p:nvSpPr>
         <p:spPr>
           <a:xfrm>
-            <a:off x="599242" y="1340768"/>
+            <a:off x="380193" y="836712"/>
             <a:ext cx="1969322" cy="369332"/>
           </a:xfrm>
           <a:prstGeom prst="rect">
@@ -3477,7 +3423,7 @@
         </p:nvSpPr>
         <p:spPr>
           <a:xfrm>
-            <a:off x="542577" y="2921194"/>
+            <a:off x="323528" y="2417138"/>
             <a:ext cx="2106539" cy="369332"/>
           </a:xfrm>
           <a:prstGeom prst="rect">
@@ -3523,7 +3469,7 @@
         </p:blipFill>
         <p:spPr bwMode="auto">
           <a:xfrm>
-            <a:off x="6336431" y="3688091"/>
+            <a:off x="6171526" y="3340451"/>
             <a:ext cx="324060" cy="394523"/>
           </a:xfrm>
           <a:prstGeom prst="rect">
@@ -3549,7 +3495,7 @@
         </p:nvSpPr>
         <p:spPr>
           <a:xfrm>
-            <a:off x="7346284" y="2660040"/>
+            <a:off x="7127235" y="2155984"/>
             <a:ext cx="646331" cy="369332"/>
           </a:xfrm>
           <a:prstGeom prst="rect">
@@ -3573,94 +3519,13 @@
       </p:sp>
       <p:sp>
         <p:nvSpPr>
-          <p:cNvPr id="26" name="Rounded Rectangle 25"/>
-          <p:cNvSpPr/>
-          <p:nvPr/>
-        </p:nvSpPr>
-        <p:spPr>
-          <a:xfrm>
-            <a:off x="647799" y="3290526"/>
-            <a:ext cx="1872208" cy="936104"/>
-          </a:xfrm>
-          <a:prstGeom prst="roundRect">
-            <a:avLst/>
-          </a:prstGeom>
-          <a:solidFill>
-            <a:schemeClr val="bg1"/>
-          </a:solidFill>
-          <a:ln w="12700"/>
-          <a:effectLst>
-            <a:outerShdw blurRad="50800" dist="38100" dir="2700000" algn="tl" rotWithShape="0">
-              <a:prstClr val="black">
-                <a:alpha val="40000"/>
-              </a:prstClr>
-            </a:outerShdw>
-          </a:effectLst>
-        </p:spPr>
-        <p:style>
-          <a:lnRef idx="2">
-            <a:schemeClr val="accent1">
-              <a:shade val="50000"/>
-            </a:schemeClr>
-          </a:lnRef>
-          <a:fillRef idx="1">
-            <a:schemeClr val="accent1"/>
-          </a:fillRef>
-          <a:effectRef idx="0">
-            <a:schemeClr val="accent1"/>
-          </a:effectRef>
-          <a:fontRef idx="minor">
-            <a:schemeClr val="lt1"/>
-          </a:fontRef>
-        </p:style>
-        <p:txBody>
-          <a:bodyPr rtlCol="0" anchor="ctr"/>
-          <a:lstStyle/>
-          <a:p>
-            <a:pPr algn="ctr"/>
-            <a:endParaRPr lang="en-US"/>
-          </a:p>
-        </p:txBody>
-      </p:sp>
-      <p:pic>
-        <p:nvPicPr>
-          <p:cNvPr id="23" name="Picture 22"/>
-          <p:cNvPicPr>
-            <a:picLocks noChangeAspect="1"/>
-          </p:cNvPicPr>
-          <p:nvPr/>
-        </p:nvPicPr>
-        <p:blipFill>
-          <a:blip r:embed="rId4" cstate="print">
-            <a:extLst>
-              <a:ext uri="{28A0092B-C50C-407E-A947-70E740481C1C}">
-                <a14:useLocalDpi xmlns:a14="http://schemas.microsoft.com/office/drawing/2010/main" val="0"/>
-              </a:ext>
-            </a:extLst>
-          </a:blip>
-          <a:stretch>
-            <a:fillRect/>
-          </a:stretch>
-        </p:blipFill>
-        <p:spPr>
-          <a:xfrm>
-            <a:off x="809401" y="3482877"/>
-            <a:ext cx="1512168" cy="520290"/>
-          </a:xfrm>
-          <a:prstGeom prst="rect">
-            <a:avLst/>
-          </a:prstGeom>
-        </p:spPr>
-      </p:pic>
-      <p:sp>
-        <p:nvSpPr>
           <p:cNvPr id="38" name="Rounded Rectangle 37"/>
           <p:cNvSpPr/>
           <p:nvPr/>
         </p:nvSpPr>
         <p:spPr>
           <a:xfrm>
-            <a:off x="647799" y="1714219"/>
+            <a:off x="428750" y="1210163"/>
             <a:ext cx="1872208" cy="936104"/>
           </a:xfrm>
           <a:prstGeom prst="roundRect">
@@ -3738,7 +3603,7 @@
         </p:blipFill>
         <p:spPr bwMode="auto">
           <a:xfrm>
-            <a:off x="2303983" y="2436220"/>
+            <a:off x="2084934" y="1932164"/>
             <a:ext cx="324060" cy="394523"/>
           </a:xfrm>
           <a:prstGeom prst="rect">
@@ -3764,7 +3629,7 @@
         </p:nvSpPr>
         <p:spPr>
           <a:xfrm>
-            <a:off x="5272303" y="1681694"/>
+            <a:off x="5053254" y="1177638"/>
             <a:ext cx="1667444" cy="338554"/>
           </a:xfrm>
           <a:prstGeom prst="rect">
@@ -3802,7 +3667,7 @@
           <p:nvPr/>
         </p:nvPicPr>
         <p:blipFill>
-          <a:blip r:embed="rId5" cstate="print">
+          <a:blip r:embed="rId4" cstate="print">
             <a:extLst>
               <a:ext uri="{28A0092B-C50C-407E-A947-70E740481C1C}">
                 <a14:useLocalDpi xmlns:a14="http://schemas.microsoft.com/office/drawing/2010/main" val="0"/>
@@ -3816,7 +3681,7 @@
         </p:blipFill>
         <p:spPr bwMode="auto">
           <a:xfrm flipV="1">
-            <a:off x="5492484" y="3332960"/>
+            <a:off x="5217047" y="3113413"/>
             <a:ext cx="434272" cy="434272"/>
           </a:xfrm>
           <a:prstGeom prst="rect">
@@ -3842,7 +3707,7 @@
         </p:nvSpPr>
         <p:spPr>
           <a:xfrm>
-            <a:off x="6634938" y="3207434"/>
+            <a:off x="6414942" y="2828407"/>
             <a:ext cx="1573701" cy="584775"/>
           </a:xfrm>
           <a:prstGeom prst="rect">
@@ -3866,43 +3731,6 @@
             <a:r>
               <a:rPr lang="en-US" sz="1600" dirty="0" smtClean="0"/>
               <a:t>Service (LIS)</a:t>
-            </a:r>
-            <a:endParaRPr lang="en-US" sz="1600" dirty="0"/>
-          </a:p>
-        </p:txBody>
-      </p:sp>
-      <p:sp>
-        <p:nvSpPr>
-          <p:cNvPr id="43" name="TextBox 42"/>
-          <p:cNvSpPr txBox="1"/>
-          <p:nvPr/>
-        </p:nvSpPr>
-        <p:spPr>
-          <a:xfrm rot="21300000">
-            <a:off x="3249187" y="3181446"/>
-            <a:ext cx="1053173" cy="338554"/>
-          </a:xfrm>
-          <a:prstGeom prst="rect">
-            <a:avLst/>
-          </a:prstGeom>
-          <a:solidFill>
-            <a:schemeClr val="bg1"/>
-          </a:solidFill>
-          <a:ln>
-            <a:solidFill>
-              <a:schemeClr val="accent1"/>
-            </a:solidFill>
-          </a:ln>
-        </p:spPr>
-        <p:txBody>
-          <a:bodyPr wrap="none" rtlCol="0">
-            <a:spAutoFit/>
-          </a:bodyPr>
-          <a:lstStyle/>
-          <a:p>
-            <a:r>
-              <a:rPr lang="en-US" sz="1600" dirty="0" smtClean="0"/>
-              <a:t>Saturn API</a:t>
             </a:r>
             <a:endParaRPr lang="en-US" sz="1600" dirty="0"/>
           </a:p>
@@ -3916,7 +3744,7 @@
         </p:nvCxnSpPr>
         <p:spPr>
           <a:xfrm>
-            <a:off x="6553646" y="2019590"/>
+            <a:off x="6334597" y="1515534"/>
             <a:ext cx="0" cy="50400"/>
           </a:xfrm>
           <a:prstGeom prst="line">
@@ -3953,7 +3781,7 @@
         </p:nvSpPr>
         <p:spPr bwMode="auto">
           <a:xfrm>
-            <a:off x="5954505" y="3317680"/>
+            <a:off x="5735456" y="3030967"/>
             <a:ext cx="420579" cy="299834"/>
           </a:xfrm>
           <a:prstGeom prst="can">
@@ -4008,7 +3836,7 @@
         </p:nvSpPr>
         <p:spPr>
           <a:xfrm flipH="1">
-            <a:off x="6465336" y="2072345"/>
+            <a:off x="6246287" y="1568289"/>
             <a:ext cx="169602" cy="414000"/>
           </a:xfrm>
           <a:prstGeom prst="arc">
@@ -4050,7 +3878,7 @@
         <p:spPr>
           <a:xfrm>
             <a:off x="-14344" y="6653232"/>
-            <a:ext cx="1175322" cy="215444"/>
+            <a:ext cx="1409360" cy="215444"/>
           </a:xfrm>
           <a:prstGeom prst="rect">
             <a:avLst/>
@@ -4064,16 +3892,16 @@
           <a:lstStyle/>
           <a:p>
             <a:r>
+              <a:rPr lang="en-US" sz="800" dirty="0" smtClean="0"/>
+              <a:t>V0.2, </a:t>
+            </a:r>
+            <a:r>
               <a:rPr lang="en-US" sz="800" dirty="0" err="1" smtClean="0"/>
               <a:t>A.Rundgren</a:t>
             </a:r>
             <a:r>
               <a:rPr lang="en-US" sz="800" dirty="0" smtClean="0"/>
-              <a:t> </a:t>
-            </a:r>
-            <a:r>
-              <a:rPr lang="en-US" sz="800" dirty="0" smtClean="0"/>
-              <a:t>2019-05-27</a:t>
+              <a:t> 2019-10-21</a:t>
             </a:r>
             <a:endParaRPr lang="en-US" sz="800" dirty="0"/>
           </a:p>
@@ -4087,8 +3915,8 @@
         </p:nvSpPr>
         <p:spPr>
           <a:xfrm>
-            <a:off x="945807" y="404664"/>
-            <a:ext cx="7436459" cy="584775"/>
+            <a:off x="1762427" y="260648"/>
+            <a:ext cx="5617885" cy="461665"/>
           </a:xfrm>
           <a:prstGeom prst="rect">
             <a:avLst/>
@@ -4102,27 +3930,13 @@
           <a:lstStyle/>
           <a:p>
             <a:r>
-              <a:rPr lang="en-US" sz="3200" dirty="0" smtClean="0">
+              <a:rPr lang="en-US" sz="2400" dirty="0" smtClean="0">
                 <a:latin typeface="Times New Roman" panose="02020603050405020304" pitchFamily="18" charset="0"/>
                 <a:cs typeface="Times New Roman" panose="02020603050405020304" pitchFamily="18" charset="0"/>
               </a:rPr>
-              <a:t>Extending </a:t>
-            </a:r>
-            <a:r>
-              <a:rPr lang="en-US" sz="3200" smtClean="0">
-                <a:latin typeface="Times New Roman" panose="02020603050405020304" pitchFamily="18" charset="0"/>
-                <a:cs typeface="Times New Roman" panose="02020603050405020304" pitchFamily="18" charset="0"/>
-              </a:rPr>
-              <a:t>the Reach </a:t>
-            </a:r>
-            <a:r>
-              <a:rPr lang="en-US" sz="3200" dirty="0" smtClean="0">
-                <a:latin typeface="Times New Roman" panose="02020603050405020304" pitchFamily="18" charset="0"/>
-                <a:cs typeface="Times New Roman" panose="02020603050405020304" pitchFamily="18" charset="0"/>
-              </a:rPr>
-              <a:t>of Open Banking APIs</a:t>
-            </a:r>
-            <a:endParaRPr lang="en-US" sz="3200" dirty="0">
+              <a:t>Extending the Reach of Open Banking APIs</a:t>
+            </a:r>
+            <a:endParaRPr lang="en-US" sz="2400" dirty="0">
               <a:latin typeface="Times New Roman" panose="02020603050405020304" pitchFamily="18" charset="0"/>
               <a:cs typeface="Times New Roman" panose="02020603050405020304" pitchFamily="18" charset="0"/>
             </a:endParaRPr>
@@ -4137,8 +3951,8 @@
         </p:nvSpPr>
         <p:spPr>
           <a:xfrm>
-            <a:off x="526736" y="4584714"/>
-            <a:ext cx="7992888" cy="1938992"/>
+            <a:off x="323528" y="4149080"/>
+            <a:ext cx="8352928" cy="2400657"/>
           </a:xfrm>
           <a:prstGeom prst="rect">
             <a:avLst/>
@@ -4151,6 +3965,11 @@
           </a:bodyPr>
           <a:lstStyle/>
           <a:p>
+            <a:pPr>
+              <a:spcAft>
+                <a:spcPts val="1200"/>
+              </a:spcAft>
+            </a:pPr>
             <a:r>
               <a:rPr lang="en-US" sz="1200" dirty="0"/>
               <a:t>In theory Open Banking APIs can support </a:t>
@@ -4161,7 +3980,11 @@
             </a:r>
             <a:r>
               <a:rPr lang="en-US" sz="1200" dirty="0"/>
-              <a:t>. However, due to expensive TTP certification </a:t>
+              <a:t>. However, due to expensive TTP </a:t>
+            </a:r>
+            <a:r>
+              <a:rPr lang="en-US" sz="1200" dirty="0" smtClean="0"/>
+              <a:t>accreditation and certification </a:t>
             </a:r>
             <a:r>
               <a:rPr lang="en-US" sz="1200" dirty="0" smtClean="0"/>
@@ -4202,81 +4025,566 @@
             <a:endParaRPr lang="en-US" sz="1200" dirty="0"/>
           </a:p>
           <a:p>
-            <a:endParaRPr lang="en-US" sz="1200" dirty="0"/>
-          </a:p>
-          <a:p>
+            <a:pPr>
+              <a:spcAft>
+                <a:spcPts val="1200"/>
+              </a:spcAft>
+            </a:pPr>
             <a:r>
               <a:rPr lang="en-US" sz="1200" dirty="0">
-                <a:hlinkClick r:id="rId6"/>
+                <a:hlinkClick r:id="rId5"/>
               </a:rPr>
               <a:t>Saturn</a:t>
             </a:r>
             <a:r>
               <a:rPr lang="en-US" sz="1200" dirty="0"/>
-              <a:t> is </a:t>
+              <a:t> </a:t>
+            </a:r>
+            <a:r>
+              <a:rPr lang="en-US" sz="1200" dirty="0"/>
+              <a:t>is </a:t>
+            </a:r>
+            <a:r>
+              <a:rPr lang="en-US" sz="1200" dirty="0"/>
+              <a:t>an open, </a:t>
+            </a:r>
+            <a:r>
+              <a:rPr lang="en-US" sz="1200" dirty="0"/>
+              <a:t>light-weight </a:t>
+            </a:r>
+            <a:r>
+              <a:rPr lang="en-US" sz="1200" dirty="0"/>
+              <a:t>scheme (including “Wallet”), dedicated for </a:t>
+            </a:r>
+            <a:r>
+              <a:rPr lang="en-US" sz="1200" dirty="0"/>
+              <a:t>Consumer Payments which though requires its </a:t>
             </a:r>
             <a:r>
               <a:rPr lang="en-US" sz="1200" dirty="0" smtClean="0"/>
-              <a:t>an </a:t>
-            </a:r>
-            <a:r>
-              <a:rPr lang="en-US" sz="1200" i="1" dirty="0" smtClean="0"/>
-              <a:t>open</a:t>
-            </a:r>
-            <a:r>
-              <a:rPr lang="en-US" sz="1200" dirty="0" smtClean="0"/>
-              <a:t>, </a:t>
-            </a:r>
-            <a:r>
-              <a:rPr lang="en-US" sz="1200" i="1" dirty="0"/>
-              <a:t>light-weight </a:t>
-            </a:r>
-            <a:r>
-              <a:rPr lang="en-US" sz="1200" i="1" dirty="0" smtClean="0"/>
-              <a:t>scheme </a:t>
-            </a:r>
-            <a:r>
-              <a:rPr lang="en-US" sz="1200" dirty="0" smtClean="0"/>
-              <a:t>(including “Wallet”), </a:t>
-            </a:r>
-            <a:r>
-              <a:rPr lang="en-US" sz="1200" i="1" dirty="0" smtClean="0"/>
-              <a:t>dedicated for </a:t>
-            </a:r>
-            <a:r>
-              <a:rPr lang="en-US" sz="1200" i="1" dirty="0"/>
-              <a:t>Consumer Payments</a:t>
+              <a:t>own API.  </a:t>
             </a:r>
             <a:r>
               <a:rPr lang="en-US" sz="1200" dirty="0"/>
-              <a:t> which though requires its own API</a:t>
-            </a:r>
-            <a:r>
-              <a:rPr lang="en-US" sz="1200" dirty="0" smtClean="0"/>
-              <a:t>.  Since APIs for external consumption come with considerable development and maintenance costs this represents a major hurdle </a:t>
+              <a:t>Since APIs for external consumption come with considerable development and maintenance costs this represents a major hurdle </a:t>
             </a:r>
             <a:r>
               <a:rPr lang="en-US" sz="1200" dirty="0"/>
               <a:t>t</a:t>
             </a:r>
             <a:r>
+              <a:rPr lang="en-US" sz="1200" dirty="0"/>
+              <a:t>o adoption.</a:t>
+            </a:r>
+          </a:p>
+          <a:p>
+            <a:pPr>
+              <a:spcAft>
+                <a:spcPts val="1200"/>
+              </a:spcAft>
+            </a:pPr>
+            <a:r>
               <a:rPr lang="en-US" sz="1200" dirty="0" smtClean="0"/>
-              <a:t>o adoption.</a:t>
+              <a:t>By </a:t>
+            </a:r>
+            <a:r>
+              <a:rPr lang="en-US" sz="1200" dirty="0" smtClean="0"/>
+              <a:t>rather </a:t>
+            </a:r>
+            <a:r>
+              <a:rPr lang="en-US" sz="1200" dirty="0"/>
+              <a:t>reusing Open Banking APIs in a novel way integration costs can be kept reasonable as well as spread over multiple banks having the same flavor of Open Banking API</a:t>
+            </a:r>
+            <a:r>
+              <a:rPr lang="en-US" sz="1200" dirty="0" smtClean="0"/>
+              <a:t>.</a:t>
+            </a:r>
+          </a:p>
+          <a:p>
+            <a:pPr>
+              <a:spcAft>
+                <a:spcPts val="1200"/>
+              </a:spcAft>
+            </a:pPr>
+            <a:r>
+              <a:rPr lang="en-US" sz="1200" dirty="0" smtClean="0"/>
+              <a:t>Note: The API is </a:t>
+            </a:r>
+            <a:r>
+              <a:rPr lang="en-US" sz="1200" i="1" dirty="0" smtClean="0"/>
+              <a:t>unchanged</a:t>
+            </a:r>
+            <a:r>
+              <a:rPr lang="en-US" sz="1200" dirty="0" smtClean="0"/>
+              <a:t>, the only update needed is recognizing that the caller is </a:t>
+            </a:r>
+            <a:r>
+              <a:rPr lang="en-US" sz="1200" i="1" dirty="0" smtClean="0"/>
+              <a:t>a locall</a:t>
+            </a:r>
+            <a:r>
+              <a:rPr lang="en-US" sz="1200" i="1" dirty="0" smtClean="0"/>
+              <a:t>y installed and trusted application</a:t>
+            </a:r>
+            <a:r>
+              <a:rPr lang="en-US" sz="1200" dirty="0" smtClean="0"/>
+              <a:t>.  User login is though required during virtual card enrollment.  This is preferably accomplished through the bank’s regular on-line login.</a:t>
             </a:r>
             <a:endParaRPr lang="en-US" sz="1200" dirty="0"/>
           </a:p>
-          <a:p>
+        </p:txBody>
+      </p:sp>
+      <p:sp>
+        <p:nvSpPr>
+          <p:cNvPr id="32" name="TextBox 31"/>
+          <p:cNvSpPr txBox="1"/>
+          <p:nvPr/>
+        </p:nvSpPr>
+        <p:spPr>
+          <a:xfrm>
+            <a:off x="2392721" y="1999873"/>
+            <a:ext cx="1096134" cy="276999"/>
+          </a:xfrm>
+          <a:prstGeom prst="rect">
+            <a:avLst/>
+          </a:prstGeom>
+          <a:noFill/>
+        </p:spPr>
+        <p:txBody>
+          <a:bodyPr wrap="none" rtlCol="0">
+            <a:spAutoFit/>
+          </a:bodyPr>
+          <a:lstStyle/>
+          <a:p>
+            <a:r>
+              <a:rPr lang="en-US" sz="1200" dirty="0" smtClean="0"/>
+              <a:t>TTP Certificate</a:t>
+            </a:r>
             <a:endParaRPr lang="en-US" sz="1200" dirty="0"/>
           </a:p>
+        </p:txBody>
+      </p:sp>
+      <p:sp>
+        <p:nvSpPr>
+          <p:cNvPr id="40" name="TextBox 39"/>
+          <p:cNvSpPr txBox="1"/>
+          <p:nvPr/>
+        </p:nvSpPr>
+        <p:spPr>
+          <a:xfrm>
+            <a:off x="6479313" y="3385967"/>
+            <a:ext cx="1786708" cy="276999"/>
+          </a:xfrm>
+          <a:prstGeom prst="rect">
+            <a:avLst/>
+          </a:prstGeom>
+          <a:noFill/>
+        </p:spPr>
+        <p:txBody>
+          <a:bodyPr wrap="none" rtlCol="0">
+            <a:spAutoFit/>
+          </a:bodyPr>
+          <a:lstStyle/>
           <a:p>
             <a:r>
               <a:rPr lang="en-US" sz="1200" dirty="0" smtClean="0"/>
-              <a:t>By rather </a:t>
-            </a:r>
-            <a:r>
-              <a:rPr lang="en-US" sz="1200" dirty="0"/>
-              <a:t>reusing Open Banking APIs in a novel way integration costs can be kept reasonable as well as spread over multiple banks having the same flavor of Open Banking API.</a:t>
-            </a:r>
+              <a:t>Locally Trusted Certificate</a:t>
+            </a:r>
+            <a:endParaRPr lang="en-US" sz="1200" dirty="0"/>
+          </a:p>
+        </p:txBody>
+      </p:sp>
+      <p:sp>
+        <p:nvSpPr>
+          <p:cNvPr id="4" name="Rounded Rectangle 3"/>
+          <p:cNvSpPr/>
+          <p:nvPr/>
+        </p:nvSpPr>
+        <p:spPr>
+          <a:xfrm>
+            <a:off x="2912791" y="1279585"/>
+            <a:ext cx="510438" cy="266432"/>
+          </a:xfrm>
+          <a:prstGeom prst="roundRect">
+            <a:avLst/>
+          </a:prstGeom>
+          <a:solidFill>
+            <a:schemeClr val="tx2">
+              <a:lumMod val="60000"/>
+              <a:lumOff val="40000"/>
+            </a:schemeClr>
+          </a:solidFill>
+          <a:ln>
+            <a:noFill/>
+          </a:ln>
+        </p:spPr>
+        <p:style>
+          <a:lnRef idx="2">
+            <a:schemeClr val="accent1">
+              <a:shade val="50000"/>
+            </a:schemeClr>
+          </a:lnRef>
+          <a:fillRef idx="1">
+            <a:schemeClr val="accent1"/>
+          </a:fillRef>
+          <a:effectRef idx="0">
+            <a:schemeClr val="accent1"/>
+          </a:effectRef>
+          <a:fontRef idx="minor">
+            <a:schemeClr val="lt1"/>
+          </a:fontRef>
+        </p:style>
+        <p:txBody>
+          <a:bodyPr wrap="none" rtlCol="0" anchor="ctr" anchorCtr="1"/>
+          <a:lstStyle/>
+          <a:p>
+            <a:pPr algn="ctr"/>
+            <a:r>
+              <a:rPr lang="en-US" sz="1200" b="1" dirty="0" smtClean="0"/>
+              <a:t>SCA</a:t>
+            </a:r>
+            <a:endParaRPr lang="en-US" sz="1200" b="1" dirty="0"/>
+          </a:p>
+        </p:txBody>
+      </p:sp>
+      <p:sp>
+        <p:nvSpPr>
+          <p:cNvPr id="41" name="Rounded Rectangle 40"/>
+          <p:cNvSpPr/>
+          <p:nvPr/>
+        </p:nvSpPr>
+        <p:spPr>
+          <a:xfrm>
+            <a:off x="3698497" y="1279585"/>
+            <a:ext cx="798470" cy="266432"/>
+          </a:xfrm>
+          <a:prstGeom prst="roundRect">
+            <a:avLst/>
+          </a:prstGeom>
+          <a:solidFill>
+            <a:schemeClr val="tx2">
+              <a:lumMod val="60000"/>
+              <a:lumOff val="40000"/>
+            </a:schemeClr>
+          </a:solidFill>
+          <a:ln>
+            <a:noFill/>
+          </a:ln>
+        </p:spPr>
+        <p:style>
+          <a:lnRef idx="2">
+            <a:schemeClr val="accent1">
+              <a:shade val="50000"/>
+            </a:schemeClr>
+          </a:lnRef>
+          <a:fillRef idx="1">
+            <a:schemeClr val="accent1"/>
+          </a:fillRef>
+          <a:effectRef idx="0">
+            <a:schemeClr val="accent1"/>
+          </a:effectRef>
+          <a:fontRef idx="minor">
+            <a:schemeClr val="lt1"/>
+          </a:fontRef>
+        </p:style>
+        <p:txBody>
+          <a:bodyPr rtlCol="0" anchor="ctr" anchorCtr="1"/>
+          <a:lstStyle/>
+          <a:p>
+            <a:pPr algn="ctr"/>
+            <a:r>
+              <a:rPr lang="en-US" sz="1200" b="1" dirty="0" smtClean="0"/>
+              <a:t>Consents</a:t>
+            </a:r>
+            <a:endParaRPr lang="en-US" sz="1200" b="1" dirty="0"/>
+          </a:p>
+        </p:txBody>
+      </p:sp>
+      <p:sp>
+        <p:nvSpPr>
+          <p:cNvPr id="45" name="TextBox 44"/>
+          <p:cNvSpPr txBox="1"/>
+          <p:nvPr/>
+        </p:nvSpPr>
+        <p:spPr>
+          <a:xfrm>
+            <a:off x="3428879" y="1274302"/>
+            <a:ext cx="261610" cy="276999"/>
+          </a:xfrm>
+          <a:prstGeom prst="rect">
+            <a:avLst/>
+          </a:prstGeom>
+          <a:noFill/>
+        </p:spPr>
+        <p:txBody>
+          <a:bodyPr wrap="none" rtlCol="0">
+            <a:spAutoFit/>
+          </a:bodyPr>
+          <a:lstStyle/>
+          <a:p>
+            <a:pPr algn="ctr"/>
+            <a:r>
+              <a:rPr lang="en-US" sz="1200" b="1" dirty="0" smtClean="0"/>
+              <a:t>+</a:t>
+            </a:r>
+            <a:endParaRPr lang="en-US" sz="1200" b="1" dirty="0"/>
+          </a:p>
+        </p:txBody>
+      </p:sp>
+      <p:sp>
+        <p:nvSpPr>
+          <p:cNvPr id="46" name="TextBox 45"/>
+          <p:cNvSpPr txBox="1"/>
+          <p:nvPr/>
+        </p:nvSpPr>
+        <p:spPr>
+          <a:xfrm>
+            <a:off x="5058376" y="2292541"/>
+            <a:ext cx="1351046" cy="244530"/>
+          </a:xfrm>
+          <a:prstGeom prst="roundRect">
+            <a:avLst/>
+          </a:prstGeom>
+          <a:solidFill>
+            <a:schemeClr val="bg1"/>
+          </a:solidFill>
+          <a:ln w="3175">
+            <a:solidFill>
+              <a:schemeClr val="accent1">
+                <a:shade val="50000"/>
+              </a:schemeClr>
+            </a:solidFill>
+          </a:ln>
+        </p:spPr>
+        <p:txBody>
+          <a:bodyPr wrap="none" lIns="72000" tIns="18000" rIns="72000" bIns="18000" rtlCol="0" anchor="ctr" anchorCtr="1">
+            <a:spAutoFit/>
+          </a:bodyPr>
+          <a:lstStyle/>
+          <a:p>
+            <a:r>
+              <a:rPr lang="en-US" sz="1200" b="1" strike="sngStrike" dirty="0" smtClean="0"/>
+              <a:t>SCA and Consents</a:t>
+            </a:r>
+            <a:endParaRPr lang="en-US" sz="1200" b="1" strike="sngStrike" dirty="0"/>
+          </a:p>
+        </p:txBody>
+      </p:sp>
+      <p:sp>
+        <p:nvSpPr>
+          <p:cNvPr id="48" name="Right Arrow 47"/>
+          <p:cNvSpPr/>
+          <p:nvPr/>
+        </p:nvSpPr>
+        <p:spPr>
+          <a:xfrm>
+            <a:off x="1646735" y="3189387"/>
+            <a:ext cx="3384000" cy="167605"/>
+          </a:xfrm>
+          <a:prstGeom prst="rightArrow">
+            <a:avLst>
+              <a:gd name="adj1" fmla="val 50000"/>
+              <a:gd name="adj2" fmla="val 53552"/>
+            </a:avLst>
+          </a:prstGeom>
+          <a:solidFill>
+            <a:schemeClr val="accent3">
+              <a:lumMod val="60000"/>
+              <a:lumOff val="40000"/>
+            </a:schemeClr>
+          </a:solidFill>
+          <a:ln w="9525">
+            <a:solidFill>
+              <a:schemeClr val="bg1">
+                <a:lumMod val="50000"/>
+              </a:schemeClr>
+            </a:solidFill>
+          </a:ln>
+          <a:effectLst/>
+        </p:spPr>
+        <p:style>
+          <a:lnRef idx="2">
+            <a:schemeClr val="accent1">
+              <a:shade val="50000"/>
+            </a:schemeClr>
+          </a:lnRef>
+          <a:fillRef idx="1">
+            <a:schemeClr val="accent1"/>
+          </a:fillRef>
+          <a:effectRef idx="0">
+            <a:schemeClr val="accent1"/>
+          </a:effectRef>
+          <a:fontRef idx="minor">
+            <a:schemeClr val="lt1"/>
+          </a:fontRef>
+        </p:style>
+        <p:txBody>
+          <a:bodyPr rtlCol="0" anchor="ctr"/>
+          <a:lstStyle/>
+          <a:p>
+            <a:pPr algn="ctr"/>
+            <a:endParaRPr lang="en-US"/>
+          </a:p>
+        </p:txBody>
+      </p:sp>
+      <p:sp>
+        <p:nvSpPr>
+          <p:cNvPr id="26" name="Rounded Rectangle 25"/>
+          <p:cNvSpPr/>
+          <p:nvPr/>
+        </p:nvSpPr>
+        <p:spPr>
+          <a:xfrm>
+            <a:off x="428750" y="2786470"/>
+            <a:ext cx="1872208" cy="936104"/>
+          </a:xfrm>
+          <a:prstGeom prst="roundRect">
+            <a:avLst/>
+          </a:prstGeom>
+          <a:solidFill>
+            <a:schemeClr val="bg1"/>
+          </a:solidFill>
+          <a:ln w="12700"/>
+          <a:effectLst>
+            <a:outerShdw blurRad="50800" dist="38100" dir="2700000" algn="tl" rotWithShape="0">
+              <a:prstClr val="black">
+                <a:alpha val="40000"/>
+              </a:prstClr>
+            </a:outerShdw>
+          </a:effectLst>
+        </p:spPr>
+        <p:style>
+          <a:lnRef idx="2">
+            <a:schemeClr val="accent1">
+              <a:shade val="50000"/>
+            </a:schemeClr>
+          </a:lnRef>
+          <a:fillRef idx="1">
+            <a:schemeClr val="accent1"/>
+          </a:fillRef>
+          <a:effectRef idx="0">
+            <a:schemeClr val="accent1"/>
+          </a:effectRef>
+          <a:fontRef idx="minor">
+            <a:schemeClr val="lt1"/>
+          </a:fontRef>
+        </p:style>
+        <p:txBody>
+          <a:bodyPr rtlCol="0" anchor="ctr"/>
+          <a:lstStyle/>
+          <a:p>
+            <a:pPr algn="ctr"/>
+            <a:endParaRPr lang="en-US"/>
+          </a:p>
+        </p:txBody>
+      </p:sp>
+      <p:pic>
+        <p:nvPicPr>
+          <p:cNvPr id="23" name="Picture 22"/>
+          <p:cNvPicPr>
+            <a:picLocks noChangeAspect="1"/>
+          </p:cNvPicPr>
+          <p:nvPr/>
+        </p:nvPicPr>
+        <p:blipFill>
+          <a:blip r:embed="rId6" cstate="print">
+            <a:extLst>
+              <a:ext uri="{28A0092B-C50C-407E-A947-70E740481C1C}">
+                <a14:useLocalDpi xmlns:a14="http://schemas.microsoft.com/office/drawing/2010/main" val="0"/>
+              </a:ext>
+            </a:extLst>
+          </a:blip>
+          <a:stretch>
+            <a:fillRect/>
+          </a:stretch>
+        </p:blipFill>
+        <p:spPr>
+          <a:xfrm>
+            <a:off x="590352" y="2978821"/>
+            <a:ext cx="1512168" cy="520290"/>
+          </a:xfrm>
+          <a:prstGeom prst="rect">
+            <a:avLst/>
+          </a:prstGeom>
+        </p:spPr>
+      </p:pic>
+      <p:sp>
+        <p:nvSpPr>
+          <p:cNvPr id="49" name="TextBox 48"/>
+          <p:cNvSpPr txBox="1"/>
+          <p:nvPr/>
+        </p:nvSpPr>
+        <p:spPr>
+          <a:xfrm>
+            <a:off x="3011746" y="2774912"/>
+            <a:ext cx="1053173" cy="338554"/>
+          </a:xfrm>
+          <a:prstGeom prst="rect">
+            <a:avLst/>
+          </a:prstGeom>
+          <a:solidFill>
+            <a:schemeClr val="bg1"/>
+          </a:solidFill>
+          <a:ln>
+            <a:solidFill>
+              <a:schemeClr val="accent1"/>
+            </a:solidFill>
+          </a:ln>
+        </p:spPr>
+        <p:txBody>
+          <a:bodyPr wrap="none" rtlCol="0">
+            <a:spAutoFit/>
+          </a:bodyPr>
+          <a:lstStyle/>
+          <a:p>
+            <a:r>
+              <a:rPr lang="en-US" sz="1600" dirty="0" smtClean="0"/>
+              <a:t>Saturn </a:t>
+            </a:r>
+            <a:r>
+              <a:rPr lang="en-US" sz="1600" dirty="0" smtClean="0"/>
+              <a:t>API</a:t>
+            </a:r>
+            <a:endParaRPr lang="en-US" sz="1600" dirty="0"/>
+          </a:p>
+        </p:txBody>
+      </p:sp>
+      <p:sp>
+        <p:nvSpPr>
+          <p:cNvPr id="10" name="TextBox 9"/>
+          <p:cNvSpPr txBox="1"/>
+          <p:nvPr/>
+        </p:nvSpPr>
+        <p:spPr>
+          <a:xfrm>
+            <a:off x="2605201" y="3356992"/>
+            <a:ext cx="1924629" cy="276999"/>
+          </a:xfrm>
+          <a:prstGeom prst="rect">
+            <a:avLst/>
+          </a:prstGeom>
+          <a:noFill/>
+        </p:spPr>
+        <p:txBody>
+          <a:bodyPr wrap="none" rtlCol="0">
+            <a:spAutoFit/>
+          </a:bodyPr>
+          <a:lstStyle/>
+          <a:p>
+            <a:pPr algn="ctr"/>
+            <a:r>
+              <a:rPr lang="en-US" sz="1200" dirty="0">
+                <a:hlinkClick r:id="rId7"/>
+              </a:rPr>
+              <a:t>End-2-End </a:t>
+            </a:r>
+            <a:r>
+              <a:rPr lang="en-US" sz="1200" dirty="0" smtClean="0">
+                <a:hlinkClick r:id="rId7"/>
+              </a:rPr>
+              <a:t>Secured Protocol</a:t>
+            </a:r>
+            <a:endParaRPr lang="en-US" sz="1200" dirty="0"/>
           </a:p>
         </p:txBody>
       </p:sp>

--- a/saturn/openbanking-api-for-saturn.pptx
+++ b/saturn/openbanking-api-for-saturn.pptx
@@ -288,7 +288,7 @@
           <a:p>
             <a:fld id="{487FC4E9-77CD-4C2A-BF4D-150A82B34D6E}" type="datetimeFigureOut">
               <a:rPr lang="en-US" smtClean="0"/>
-              <a:t>2019-10-21</a:t>
+              <a:t>2019-10-22</a:t>
             </a:fld>
             <a:endParaRPr lang="en-US"/>
           </a:p>
@@ -458,7 +458,7 @@
           <a:p>
             <a:fld id="{487FC4E9-77CD-4C2A-BF4D-150A82B34D6E}" type="datetimeFigureOut">
               <a:rPr lang="en-US" smtClean="0"/>
-              <a:t>2019-10-21</a:t>
+              <a:t>2019-10-22</a:t>
             </a:fld>
             <a:endParaRPr lang="en-US"/>
           </a:p>
@@ -638,7 +638,7 @@
           <a:p>
             <a:fld id="{487FC4E9-77CD-4C2A-BF4D-150A82B34D6E}" type="datetimeFigureOut">
               <a:rPr lang="en-US" smtClean="0"/>
-              <a:t>2019-10-21</a:t>
+              <a:t>2019-10-22</a:t>
             </a:fld>
             <a:endParaRPr lang="en-US"/>
           </a:p>
@@ -808,7 +808,7 @@
           <a:p>
             <a:fld id="{487FC4E9-77CD-4C2A-BF4D-150A82B34D6E}" type="datetimeFigureOut">
               <a:rPr lang="en-US" smtClean="0"/>
-              <a:t>2019-10-21</a:t>
+              <a:t>2019-10-22</a:t>
             </a:fld>
             <a:endParaRPr lang="en-US"/>
           </a:p>
@@ -1054,7 +1054,7 @@
           <a:p>
             <a:fld id="{487FC4E9-77CD-4C2A-BF4D-150A82B34D6E}" type="datetimeFigureOut">
               <a:rPr lang="en-US" smtClean="0"/>
-              <a:t>2019-10-21</a:t>
+              <a:t>2019-10-22</a:t>
             </a:fld>
             <a:endParaRPr lang="en-US"/>
           </a:p>
@@ -1342,7 +1342,7 @@
           <a:p>
             <a:fld id="{487FC4E9-77CD-4C2A-BF4D-150A82B34D6E}" type="datetimeFigureOut">
               <a:rPr lang="en-US" smtClean="0"/>
-              <a:t>2019-10-21</a:t>
+              <a:t>2019-10-22</a:t>
             </a:fld>
             <a:endParaRPr lang="en-US"/>
           </a:p>
@@ -1764,7 +1764,7 @@
           <a:p>
             <a:fld id="{487FC4E9-77CD-4C2A-BF4D-150A82B34D6E}" type="datetimeFigureOut">
               <a:rPr lang="en-US" smtClean="0"/>
-              <a:t>2019-10-21</a:t>
+              <a:t>2019-10-22</a:t>
             </a:fld>
             <a:endParaRPr lang="en-US"/>
           </a:p>
@@ -1882,7 +1882,7 @@
           <a:p>
             <a:fld id="{487FC4E9-77CD-4C2A-BF4D-150A82B34D6E}" type="datetimeFigureOut">
               <a:rPr lang="en-US" smtClean="0"/>
-              <a:t>2019-10-21</a:t>
+              <a:t>2019-10-22</a:t>
             </a:fld>
             <a:endParaRPr lang="en-US"/>
           </a:p>
@@ -1977,7 +1977,7 @@
           <a:p>
             <a:fld id="{487FC4E9-77CD-4C2A-BF4D-150A82B34D6E}" type="datetimeFigureOut">
               <a:rPr lang="en-US" smtClean="0"/>
-              <a:t>2019-10-21</a:t>
+              <a:t>2019-10-22</a:t>
             </a:fld>
             <a:endParaRPr lang="en-US"/>
           </a:p>
@@ -2254,7 +2254,7 @@
           <a:p>
             <a:fld id="{487FC4E9-77CD-4C2A-BF4D-150A82B34D6E}" type="datetimeFigureOut">
               <a:rPr lang="en-US" smtClean="0"/>
-              <a:t>2019-10-21</a:t>
+              <a:t>2019-10-22</a:t>
             </a:fld>
             <a:endParaRPr lang="en-US"/>
           </a:p>
@@ -2507,7 +2507,7 @@
           <a:p>
             <a:fld id="{487FC4E9-77CD-4C2A-BF4D-150A82B34D6E}" type="datetimeFigureOut">
               <a:rPr lang="en-US" smtClean="0"/>
-              <a:t>2019-10-21</a:t>
+              <a:t>2019-10-22</a:t>
             </a:fld>
             <a:endParaRPr lang="en-US"/>
           </a:p>
@@ -2720,7 +2720,7 @@
           <a:p>
             <a:fld id="{487FC4E9-77CD-4C2A-BF4D-150A82B34D6E}" type="datetimeFigureOut">
               <a:rPr lang="en-US" smtClean="0"/>
-              <a:t>2019-10-21</a:t>
+              <a:t>2019-10-22</a:t>
             </a:fld>
             <a:endParaRPr lang="en-US"/>
           </a:p>
@@ -3915,8 +3915,8 @@
         </p:nvSpPr>
         <p:spPr>
           <a:xfrm>
-            <a:off x="1762427" y="260648"/>
-            <a:ext cx="5617885" cy="461665"/>
+            <a:off x="971600" y="260648"/>
+            <a:ext cx="7267374" cy="461665"/>
           </a:xfrm>
           <a:prstGeom prst="rect">
             <a:avLst/>
@@ -3934,7 +3934,21 @@
                 <a:latin typeface="Times New Roman" panose="02020603050405020304" pitchFamily="18" charset="0"/>
                 <a:cs typeface="Times New Roman" panose="02020603050405020304" pitchFamily="18" charset="0"/>
               </a:rPr>
-              <a:t>Extending the Reach of Open Banking APIs</a:t>
+              <a:t>Dual Mode - Extending the Reach of Open </a:t>
+            </a:r>
+            <a:r>
+              <a:rPr lang="en-US" sz="2400" dirty="0" smtClean="0">
+                <a:latin typeface="Times New Roman" panose="02020603050405020304" pitchFamily="18" charset="0"/>
+                <a:cs typeface="Times New Roman" panose="02020603050405020304" pitchFamily="18" charset="0"/>
+              </a:rPr>
+              <a:t>Banking </a:t>
+            </a:r>
+            <a:r>
+              <a:rPr lang="en-US" sz="2400" dirty="0" smtClean="0">
+                <a:latin typeface="Times New Roman" panose="02020603050405020304" pitchFamily="18" charset="0"/>
+                <a:cs typeface="Times New Roman" panose="02020603050405020304" pitchFamily="18" charset="0"/>
+              </a:rPr>
+              <a:t>APIs</a:t>
             </a:r>
             <a:endParaRPr lang="en-US" sz="2400" dirty="0">
               <a:latin typeface="Times New Roman" panose="02020603050405020304" pitchFamily="18" charset="0"/>
@@ -3984,11 +3998,7 @@
             </a:r>
             <a:r>
               <a:rPr lang="en-US" sz="1200" dirty="0" smtClean="0"/>
-              <a:t>accreditation and certification </a:t>
-            </a:r>
-            <a:r>
-              <a:rPr lang="en-US" sz="1200" dirty="0" smtClean="0"/>
-              <a:t>schemes as </a:t>
+              <a:t>accreditation and certification schemes as </a:t>
             </a:r>
             <a:r>
               <a:rPr lang="en-US" sz="1200" dirty="0"/>
@@ -4038,27 +4048,7 @@
             </a:r>
             <a:r>
               <a:rPr lang="en-US" sz="1200" dirty="0"/>
-              <a:t> </a:t>
-            </a:r>
-            <a:r>
-              <a:rPr lang="en-US" sz="1200" dirty="0"/>
-              <a:t>is </a:t>
-            </a:r>
-            <a:r>
-              <a:rPr lang="en-US" sz="1200" dirty="0"/>
-              <a:t>an open, </a:t>
-            </a:r>
-            <a:r>
-              <a:rPr lang="en-US" sz="1200" dirty="0"/>
-              <a:t>light-weight </a:t>
-            </a:r>
-            <a:r>
-              <a:rPr lang="en-US" sz="1200" dirty="0"/>
-              <a:t>scheme (including “Wallet”), dedicated for </a:t>
-            </a:r>
-            <a:r>
-              <a:rPr lang="en-US" sz="1200" dirty="0"/>
-              <a:t>Consumer Payments which though requires its </a:t>
+              <a:t> is an open, light-weight scheme (including “Wallet”), dedicated for Consumer Payments which though requires its </a:t>
             </a:r>
             <a:r>
               <a:rPr lang="en-US" sz="1200" dirty="0" smtClean="0"/>
@@ -4066,15 +4056,7 @@
             </a:r>
             <a:r>
               <a:rPr lang="en-US" sz="1200" dirty="0"/>
-              <a:t>Since APIs for external consumption come with considerable development and maintenance costs this represents a major hurdle </a:t>
-            </a:r>
-            <a:r>
-              <a:rPr lang="en-US" sz="1200" dirty="0"/>
-              <a:t>t</a:t>
-            </a:r>
-            <a:r>
-              <a:rPr lang="en-US" sz="1200" dirty="0"/>
-              <a:t>o adoption.</a:t>
+              <a:t>Since APIs for external consumption come with considerable development and maintenance costs this represents a major hurdle to adoption.</a:t>
             </a:r>
           </a:p>
           <a:p>
@@ -4085,11 +4067,7 @@
             </a:pPr>
             <a:r>
               <a:rPr lang="en-US" sz="1200" dirty="0" smtClean="0"/>
-              <a:t>By </a:t>
-            </a:r>
-            <a:r>
-              <a:rPr lang="en-US" sz="1200" dirty="0" smtClean="0"/>
-              <a:t>rather </a:t>
+              <a:t>By rather </a:t>
             </a:r>
             <a:r>
               <a:rPr lang="en-US" sz="1200" dirty="0"/>
@@ -4120,11 +4098,7 @@
             </a:r>
             <a:r>
               <a:rPr lang="en-US" sz="1200" i="1" dirty="0" smtClean="0"/>
-              <a:t>a locall</a:t>
-            </a:r>
-            <a:r>
-              <a:rPr lang="en-US" sz="1200" i="1" dirty="0" smtClean="0"/>
-              <a:t>y installed and trusted application</a:t>
+              <a:t>a locally installed and trusted application</a:t>
             </a:r>
             <a:r>
               <a:rPr lang="en-US" sz="1200" dirty="0" smtClean="0"/>
@@ -4202,7 +4176,7 @@
         </p:nvSpPr>
         <p:spPr>
           <a:xfrm>
-            <a:off x="2912791" y="1279585"/>
+            <a:off x="2771800" y="1279585"/>
             <a:ext cx="510438" cy="266432"/>
           </a:xfrm>
           <a:prstGeom prst="roundRect">
@@ -4255,7 +4229,7 @@
         </p:nvSpPr>
         <p:spPr>
           <a:xfrm>
-            <a:off x="3698497" y="1279585"/>
+            <a:off x="3557506" y="1279585"/>
             <a:ext cx="798470" cy="266432"/>
           </a:xfrm>
           <a:prstGeom prst="roundRect">
@@ -4308,7 +4282,7 @@
         </p:nvSpPr>
         <p:spPr>
           <a:xfrm>
-            <a:off x="3428879" y="1274302"/>
+            <a:off x="3287888" y="1274302"/>
             <a:ext cx="261610" cy="276999"/>
           </a:xfrm>
           <a:prstGeom prst="rect">
@@ -4539,11 +4513,7 @@
           <a:p>
             <a:r>
               <a:rPr lang="en-US" sz="1600" dirty="0" smtClean="0"/>
-              <a:t>Saturn </a:t>
-            </a:r>
-            <a:r>
-              <a:rPr lang="en-US" sz="1600" dirty="0" smtClean="0"/>
-              <a:t>API</a:t>
+              <a:t>Saturn API</a:t>
             </a:r>
             <a:endParaRPr lang="en-US" sz="1600" dirty="0"/>
           </a:p>
